--- a/Django Part I.pptx
+++ b/Django Part I.pptx
@@ -226,7 +226,7 @@
           <a:p>
             <a:fld id="{680DE5B5-D9DE-4FDD-B238-E52A4569AD1E}" type="datetimeFigureOut">
               <a:rPr lang="es-ES" smtClean="0"/>
-              <a:t>09/11/2020</a:t>
+              <a:t>11/11/2020</a:t>
             </a:fld>
             <a:endParaRPr lang="es-ES"/>
           </a:p>
@@ -582,6 +582,94 @@
 </p:notes>
 </file>
 
+<file path=ppt/notesSlides/notesSlide2.xml><?xml version="1.0" encoding="utf-8"?>
+<p:notes xmlns:a="http://schemas.openxmlformats.org/drawingml/2006/main" xmlns:r="http://schemas.openxmlformats.org/officeDocument/2006/relationships" xmlns:p="http://schemas.openxmlformats.org/presentationml/2006/main">
+  <p:cSld>
+    <p:spTree>
+      <p:nvGrpSpPr>
+        <p:cNvPr id="1" name=""/>
+        <p:cNvGrpSpPr/>
+        <p:nvPr/>
+      </p:nvGrpSpPr>
+      <p:grpSpPr>
+        <a:xfrm>
+          <a:off x="0" y="0"/>
+          <a:ext cx="0" cy="0"/>
+          <a:chOff x="0" y="0"/>
+          <a:chExt cx="0" cy="0"/>
+        </a:xfrm>
+      </p:grpSpPr>
+      <p:sp>
+        <p:nvSpPr>
+          <p:cNvPr id="2" name="Slide Image Placeholder 1"/>
+          <p:cNvSpPr>
+            <a:spLocks noGrp="1" noRot="1" noChangeAspect="1"/>
+          </p:cNvSpPr>
+          <p:nvPr>
+            <p:ph type="sldImg"/>
+          </p:nvPr>
+        </p:nvSpPr>
+        <p:spPr/>
+      </p:sp>
+      <p:sp>
+        <p:nvSpPr>
+          <p:cNvPr id="3" name="Notes Placeholder 2"/>
+          <p:cNvSpPr>
+            <a:spLocks noGrp="1"/>
+          </p:cNvSpPr>
+          <p:nvPr>
+            <p:ph type="body" idx="1"/>
+          </p:nvPr>
+        </p:nvSpPr>
+        <p:spPr/>
+        <p:txBody>
+          <a:bodyPr/>
+          <a:lstStyle/>
+          <a:p>
+            <a:r>
+              <a:rPr lang="en-US" dirty="0"/>
+              <a:t>Interactive shell to use with the data</a:t>
+            </a:r>
+            <a:endParaRPr lang="es-ES" dirty="0"/>
+          </a:p>
+        </p:txBody>
+      </p:sp>
+      <p:sp>
+        <p:nvSpPr>
+          <p:cNvPr id="4" name="Slide Number Placeholder 3"/>
+          <p:cNvSpPr>
+            <a:spLocks noGrp="1"/>
+          </p:cNvSpPr>
+          <p:nvPr>
+            <p:ph type="sldNum" sz="quarter" idx="5"/>
+          </p:nvPr>
+        </p:nvSpPr>
+        <p:spPr/>
+        <p:txBody>
+          <a:bodyPr/>
+          <a:lstStyle/>
+          <a:p>
+            <a:fld id="{9841D7C9-9CDC-414C-96F7-2E391F50FAB9}" type="slidenum">
+              <a:rPr lang="es-ES" smtClean="0"/>
+              <a:t>28</a:t>
+            </a:fld>
+            <a:endParaRPr lang="es-ES"/>
+          </a:p>
+        </p:txBody>
+      </p:sp>
+    </p:spTree>
+    <p:extLst>
+      <p:ext uri="{BB962C8B-B14F-4D97-AF65-F5344CB8AC3E}">
+        <p14:creationId xmlns:p14="http://schemas.microsoft.com/office/powerpoint/2010/main" val="2505036802"/>
+      </p:ext>
+    </p:extLst>
+  </p:cSld>
+  <p:clrMapOvr>
+    <a:masterClrMapping/>
+  </p:clrMapOvr>
+</p:notes>
+</file>
+
 <file path=ppt/slideLayouts/slideLayout1.xml><?xml version="1.0" encoding="utf-8"?>
 <p:sldLayout xmlns:a="http://schemas.openxmlformats.org/drawingml/2006/main" xmlns:r="http://schemas.openxmlformats.org/officeDocument/2006/relationships" xmlns:p="http://schemas.openxmlformats.org/presentationml/2006/main" type="title" preserve="1">
   <p:cSld name="Title Slide">
@@ -729,7 +817,7 @@
           <a:p>
             <a:fld id="{B081671F-5646-4174-8D79-BE78E8947422}" type="datetimeFigureOut">
               <a:rPr lang="en-US" smtClean="0"/>
-              <a:t>11/9/2020</a:t>
+              <a:t>11/11/2020</a:t>
             </a:fld>
             <a:endParaRPr lang="en-US"/>
           </a:p>
@@ -927,7 +1015,7 @@
           <a:p>
             <a:fld id="{B081671F-5646-4174-8D79-BE78E8947422}" type="datetimeFigureOut">
               <a:rPr lang="en-US" smtClean="0"/>
-              <a:t>11/9/2020</a:t>
+              <a:t>11/11/2020</a:t>
             </a:fld>
             <a:endParaRPr lang="en-US"/>
           </a:p>
@@ -1135,7 +1223,7 @@
           <a:p>
             <a:fld id="{B081671F-5646-4174-8D79-BE78E8947422}" type="datetimeFigureOut">
               <a:rPr lang="en-US" smtClean="0"/>
-              <a:t>11/9/2020</a:t>
+              <a:t>11/11/2020</a:t>
             </a:fld>
             <a:endParaRPr lang="en-US"/>
           </a:p>
@@ -1333,7 +1421,7 @@
           <a:p>
             <a:fld id="{B081671F-5646-4174-8D79-BE78E8947422}" type="datetimeFigureOut">
               <a:rPr lang="en-US" smtClean="0"/>
-              <a:t>11/9/2020</a:t>
+              <a:t>11/11/2020</a:t>
             </a:fld>
             <a:endParaRPr lang="en-US"/>
           </a:p>
@@ -1608,7 +1696,7 @@
           <a:p>
             <a:fld id="{B081671F-5646-4174-8D79-BE78E8947422}" type="datetimeFigureOut">
               <a:rPr lang="en-US" smtClean="0"/>
-              <a:t>11/9/2020</a:t>
+              <a:t>11/11/2020</a:t>
             </a:fld>
             <a:endParaRPr lang="en-US"/>
           </a:p>
@@ -1873,7 +1961,7 @@
           <a:p>
             <a:fld id="{B081671F-5646-4174-8D79-BE78E8947422}" type="datetimeFigureOut">
               <a:rPr lang="en-US" smtClean="0"/>
-              <a:t>11/9/2020</a:t>
+              <a:t>11/11/2020</a:t>
             </a:fld>
             <a:endParaRPr lang="en-US"/>
           </a:p>
@@ -2285,7 +2373,7 @@
           <a:p>
             <a:fld id="{B081671F-5646-4174-8D79-BE78E8947422}" type="datetimeFigureOut">
               <a:rPr lang="en-US" smtClean="0"/>
-              <a:t>11/9/2020</a:t>
+              <a:t>11/11/2020</a:t>
             </a:fld>
             <a:endParaRPr lang="en-US"/>
           </a:p>
@@ -2426,7 +2514,7 @@
           <a:p>
             <a:fld id="{B081671F-5646-4174-8D79-BE78E8947422}" type="datetimeFigureOut">
               <a:rPr lang="en-US" smtClean="0"/>
-              <a:t>11/9/2020</a:t>
+              <a:t>11/11/2020</a:t>
             </a:fld>
             <a:endParaRPr lang="en-US"/>
           </a:p>
@@ -2539,7 +2627,7 @@
           <a:p>
             <a:fld id="{B081671F-5646-4174-8D79-BE78E8947422}" type="datetimeFigureOut">
               <a:rPr lang="en-US" smtClean="0"/>
-              <a:t>11/9/2020</a:t>
+              <a:t>11/11/2020</a:t>
             </a:fld>
             <a:endParaRPr lang="en-US"/>
           </a:p>
@@ -2850,7 +2938,7 @@
           <a:p>
             <a:fld id="{B081671F-5646-4174-8D79-BE78E8947422}" type="datetimeFigureOut">
               <a:rPr lang="en-US" smtClean="0"/>
-              <a:t>11/9/2020</a:t>
+              <a:t>11/11/2020</a:t>
             </a:fld>
             <a:endParaRPr lang="en-US"/>
           </a:p>
@@ -3138,7 +3226,7 @@
           <a:p>
             <a:fld id="{B081671F-5646-4174-8D79-BE78E8947422}" type="datetimeFigureOut">
               <a:rPr lang="en-US" smtClean="0"/>
-              <a:t>11/9/2020</a:t>
+              <a:t>11/11/2020</a:t>
             </a:fld>
             <a:endParaRPr lang="en-US"/>
           </a:p>
@@ -3379,7 +3467,7 @@
           <a:p>
             <a:fld id="{B081671F-5646-4174-8D79-BE78E8947422}" type="datetimeFigureOut">
               <a:rPr lang="en-US" smtClean="0"/>
-              <a:t>11/9/2020</a:t>
+              <a:t>11/11/2020</a:t>
             </a:fld>
             <a:endParaRPr lang="en-US"/>
           </a:p>
@@ -6875,7 +6963,7 @@
           <p:nvPr/>
         </p:nvPicPr>
         <p:blipFill>
-          <a:blip r:embed="rId2"/>
+          <a:blip r:embed="rId3"/>
           <a:stretch>
             <a:fillRect/>
           </a:stretch>
@@ -6905,7 +6993,7 @@
           <p:nvPr/>
         </p:nvPicPr>
         <p:blipFill>
-          <a:blip r:embed="rId3"/>
+          <a:blip r:embed="rId4"/>
           <a:stretch>
             <a:fillRect/>
           </a:stretch>

--- a/Django Part I.pptx
+++ b/Django Part I.pptx
@@ -226,7 +226,7 @@
           <a:p>
             <a:fld id="{680DE5B5-D9DE-4FDD-B238-E52A4569AD1E}" type="datetimeFigureOut">
               <a:rPr lang="es-ES" smtClean="0"/>
-              <a:t>11/11/2020</a:t>
+              <a:t>28/11/2020</a:t>
             </a:fld>
             <a:endParaRPr lang="es-ES"/>
           </a:p>
@@ -628,6 +628,99 @@
           <a:p>
             <a:r>
               <a:rPr lang="en-US" dirty="0"/>
+              <a:t>admin </a:t>
+            </a:r>
+          </a:p>
+          <a:p>
+            <a:r>
+              <a:rPr lang="en-US"/>
+              <a:t>password</a:t>
+            </a:r>
+          </a:p>
+        </p:txBody>
+      </p:sp>
+      <p:sp>
+        <p:nvSpPr>
+          <p:cNvPr id="4" name="Slide Number Placeholder 3"/>
+          <p:cNvSpPr>
+            <a:spLocks noGrp="1"/>
+          </p:cNvSpPr>
+          <p:nvPr>
+            <p:ph type="sldNum" sz="quarter" idx="5"/>
+          </p:nvPr>
+        </p:nvSpPr>
+        <p:spPr/>
+        <p:txBody>
+          <a:bodyPr/>
+          <a:lstStyle/>
+          <a:p>
+            <a:fld id="{9841D7C9-9CDC-414C-96F7-2E391F50FAB9}" type="slidenum">
+              <a:rPr lang="es-ES" smtClean="0"/>
+              <a:t>20</a:t>
+            </a:fld>
+            <a:endParaRPr lang="es-ES"/>
+          </a:p>
+        </p:txBody>
+      </p:sp>
+    </p:spTree>
+    <p:extLst>
+      <p:ext uri="{BB962C8B-B14F-4D97-AF65-F5344CB8AC3E}">
+        <p14:creationId xmlns:p14="http://schemas.microsoft.com/office/powerpoint/2010/main" val="3854261961"/>
+      </p:ext>
+    </p:extLst>
+  </p:cSld>
+  <p:clrMapOvr>
+    <a:masterClrMapping/>
+  </p:clrMapOvr>
+</p:notes>
+</file>
+
+<file path=ppt/notesSlides/notesSlide3.xml><?xml version="1.0" encoding="utf-8"?>
+<p:notes xmlns:a="http://schemas.openxmlformats.org/drawingml/2006/main" xmlns:r="http://schemas.openxmlformats.org/officeDocument/2006/relationships" xmlns:p="http://schemas.openxmlformats.org/presentationml/2006/main">
+  <p:cSld>
+    <p:spTree>
+      <p:nvGrpSpPr>
+        <p:cNvPr id="1" name=""/>
+        <p:cNvGrpSpPr/>
+        <p:nvPr/>
+      </p:nvGrpSpPr>
+      <p:grpSpPr>
+        <a:xfrm>
+          <a:off x="0" y="0"/>
+          <a:ext cx="0" cy="0"/>
+          <a:chOff x="0" y="0"/>
+          <a:chExt cx="0" cy="0"/>
+        </a:xfrm>
+      </p:grpSpPr>
+      <p:sp>
+        <p:nvSpPr>
+          <p:cNvPr id="2" name="Slide Image Placeholder 1"/>
+          <p:cNvSpPr>
+            <a:spLocks noGrp="1" noRot="1" noChangeAspect="1"/>
+          </p:cNvSpPr>
+          <p:nvPr>
+            <p:ph type="sldImg"/>
+          </p:nvPr>
+        </p:nvSpPr>
+        <p:spPr/>
+      </p:sp>
+      <p:sp>
+        <p:nvSpPr>
+          <p:cNvPr id="3" name="Notes Placeholder 2"/>
+          <p:cNvSpPr>
+            <a:spLocks noGrp="1"/>
+          </p:cNvSpPr>
+          <p:nvPr>
+            <p:ph type="body" idx="1"/>
+          </p:nvPr>
+        </p:nvSpPr>
+        <p:spPr/>
+        <p:txBody>
+          <a:bodyPr/>
+          <a:lstStyle/>
+          <a:p>
+            <a:r>
+              <a:rPr lang="en-US" dirty="0"/>
               <a:t>Interactive shell to use with the data</a:t>
             </a:r>
             <a:endParaRPr lang="es-ES" dirty="0"/>
@@ -817,7 +910,7 @@
           <a:p>
             <a:fld id="{B081671F-5646-4174-8D79-BE78E8947422}" type="datetimeFigureOut">
               <a:rPr lang="en-US" smtClean="0"/>
-              <a:t>11/11/2020</a:t>
+              <a:t>11/28/2020</a:t>
             </a:fld>
             <a:endParaRPr lang="en-US"/>
           </a:p>
@@ -1015,7 +1108,7 @@
           <a:p>
             <a:fld id="{B081671F-5646-4174-8D79-BE78E8947422}" type="datetimeFigureOut">
               <a:rPr lang="en-US" smtClean="0"/>
-              <a:t>11/11/2020</a:t>
+              <a:t>11/28/2020</a:t>
             </a:fld>
             <a:endParaRPr lang="en-US"/>
           </a:p>
@@ -1223,7 +1316,7 @@
           <a:p>
             <a:fld id="{B081671F-5646-4174-8D79-BE78E8947422}" type="datetimeFigureOut">
               <a:rPr lang="en-US" smtClean="0"/>
-              <a:t>11/11/2020</a:t>
+              <a:t>11/28/2020</a:t>
             </a:fld>
             <a:endParaRPr lang="en-US"/>
           </a:p>
@@ -1421,7 +1514,7 @@
           <a:p>
             <a:fld id="{B081671F-5646-4174-8D79-BE78E8947422}" type="datetimeFigureOut">
               <a:rPr lang="en-US" smtClean="0"/>
-              <a:t>11/11/2020</a:t>
+              <a:t>11/28/2020</a:t>
             </a:fld>
             <a:endParaRPr lang="en-US"/>
           </a:p>
@@ -1696,7 +1789,7 @@
           <a:p>
             <a:fld id="{B081671F-5646-4174-8D79-BE78E8947422}" type="datetimeFigureOut">
               <a:rPr lang="en-US" smtClean="0"/>
-              <a:t>11/11/2020</a:t>
+              <a:t>11/28/2020</a:t>
             </a:fld>
             <a:endParaRPr lang="en-US"/>
           </a:p>
@@ -1961,7 +2054,7 @@
           <a:p>
             <a:fld id="{B081671F-5646-4174-8D79-BE78E8947422}" type="datetimeFigureOut">
               <a:rPr lang="en-US" smtClean="0"/>
-              <a:t>11/11/2020</a:t>
+              <a:t>11/28/2020</a:t>
             </a:fld>
             <a:endParaRPr lang="en-US"/>
           </a:p>
@@ -2373,7 +2466,7 @@
           <a:p>
             <a:fld id="{B081671F-5646-4174-8D79-BE78E8947422}" type="datetimeFigureOut">
               <a:rPr lang="en-US" smtClean="0"/>
-              <a:t>11/11/2020</a:t>
+              <a:t>11/28/2020</a:t>
             </a:fld>
             <a:endParaRPr lang="en-US"/>
           </a:p>
@@ -2514,7 +2607,7 @@
           <a:p>
             <a:fld id="{B081671F-5646-4174-8D79-BE78E8947422}" type="datetimeFigureOut">
               <a:rPr lang="en-US" smtClean="0"/>
-              <a:t>11/11/2020</a:t>
+              <a:t>11/28/2020</a:t>
             </a:fld>
             <a:endParaRPr lang="en-US"/>
           </a:p>
@@ -2627,7 +2720,7 @@
           <a:p>
             <a:fld id="{B081671F-5646-4174-8D79-BE78E8947422}" type="datetimeFigureOut">
               <a:rPr lang="en-US" smtClean="0"/>
-              <a:t>11/11/2020</a:t>
+              <a:t>11/28/2020</a:t>
             </a:fld>
             <a:endParaRPr lang="en-US"/>
           </a:p>
@@ -2938,7 +3031,7 @@
           <a:p>
             <a:fld id="{B081671F-5646-4174-8D79-BE78E8947422}" type="datetimeFigureOut">
               <a:rPr lang="en-US" smtClean="0"/>
-              <a:t>11/11/2020</a:t>
+              <a:t>11/28/2020</a:t>
             </a:fld>
             <a:endParaRPr lang="en-US"/>
           </a:p>
@@ -3226,7 +3319,7 @@
           <a:p>
             <a:fld id="{B081671F-5646-4174-8D79-BE78E8947422}" type="datetimeFigureOut">
               <a:rPr lang="en-US" smtClean="0"/>
-              <a:t>11/11/2020</a:t>
+              <a:t>11/28/2020</a:t>
             </a:fld>
             <a:endParaRPr lang="en-US"/>
           </a:p>
@@ -3467,7 +3560,7 @@
           <a:p>
             <a:fld id="{B081671F-5646-4174-8D79-BE78E8947422}" type="datetimeFigureOut">
               <a:rPr lang="en-US" smtClean="0"/>
-              <a:t>11/11/2020</a:t>
+              <a:t>11/28/2020</a:t>
             </a:fld>
             <a:endParaRPr lang="en-US"/>
           </a:p>
@@ -5837,7 +5930,7 @@
           <p:nvPr/>
         </p:nvPicPr>
         <p:blipFill>
-          <a:blip r:embed="rId2"/>
+          <a:blip r:embed="rId3"/>
           <a:stretch>
             <a:fillRect/>
           </a:stretch>
